--- a/Presentations/Stock Market Vs Unemployment v2.pptx
+++ b/Presentations/Stock Market Vs Unemployment v2.pptx
@@ -22,9 +22,10 @@
     <p:sldId id="278" r:id="rId16"/>
     <p:sldId id="279" r:id="rId17"/>
     <p:sldId id="280" r:id="rId18"/>
-    <p:sldId id="282" r:id="rId19"/>
-    <p:sldId id="263" r:id="rId20"/>
-    <p:sldId id="267" r:id="rId21"/>
+    <p:sldId id="283" r:id="rId19"/>
+    <p:sldId id="282" r:id="rId20"/>
+    <p:sldId id="263" r:id="rId21"/>
+    <p:sldId id="267" r:id="rId22"/>
   </p:sldIdLst>
   <p:sldSz cx="12192000" cy="6858000"/>
   <p:notesSz cx="6858000" cy="9144000"/>
@@ -375,7 +376,7 @@
           <a:p>
             <a:fld id="{9184DA70-C731-4C70-880D-CCD4705E623C}" type="datetime1">
               <a:rPr lang="en-US" smtClean="0"/>
-              <a:t>12/29/20</a:t>
+              <a:t>12/30/2020</a:t>
             </a:fld>
             <a:endParaRPr lang="en-US" dirty="0"/>
           </a:p>
@@ -563,7 +564,7 @@
           <a:p>
             <a:fld id="{B612A279-0833-481D-8C56-F67FD0AC6C50}" type="datetime1">
               <a:rPr lang="en-US" smtClean="0"/>
-              <a:t>12/29/20</a:t>
+              <a:t>12/30/2020</a:t>
             </a:fld>
             <a:endParaRPr lang="en-US" dirty="0"/>
           </a:p>
@@ -805,7 +806,7 @@
           <a:p>
             <a:fld id="{6587DA83-5663-4C9C-B9AA-0B40A3DAFF81}" type="datetime1">
               <a:rPr lang="en-US" smtClean="0"/>
-              <a:t>12/29/20</a:t>
+              <a:t>12/30/2020</a:t>
             </a:fld>
             <a:endParaRPr lang="en-US" dirty="0"/>
           </a:p>
@@ -993,7 +994,7 @@
           <a:p>
             <a:fld id="{4BE1D723-8F53-4F53-90B0-1982A396982E}" type="datetime1">
               <a:rPr lang="en-US" smtClean="0"/>
-              <a:t>12/29/20</a:t>
+              <a:t>12/30/2020</a:t>
             </a:fld>
             <a:endParaRPr lang="en-US" dirty="0"/>
           </a:p>
@@ -1366,7 +1367,7 @@
           <a:p>
             <a:fld id="{97669AF7-7BEB-44E4-9852-375E34362B5B}" type="datetime1">
               <a:rPr lang="en-US" smtClean="0"/>
-              <a:t>12/29/20</a:t>
+              <a:t>12/30/2020</a:t>
             </a:fld>
             <a:endParaRPr lang="en-US" dirty="0"/>
           </a:p>
@@ -1621,7 +1622,7 @@
           <a:p>
             <a:fld id="{BAAAC38D-0552-4C82-B593-E6124DFADBE2}" type="datetime1">
               <a:rPr lang="en-US" smtClean="0"/>
-              <a:t>12/29/20</a:t>
+              <a:t>12/30/2020</a:t>
             </a:fld>
             <a:endParaRPr lang="en-US" dirty="0"/>
           </a:p>
@@ -2018,7 +2019,7 @@
           <a:p>
             <a:fld id="{D9DF0F1C-5577-4ACB-BB62-DF8F3C494C7E}" type="datetime1">
               <a:rPr lang="en-US" smtClean="0"/>
-              <a:t>12/29/20</a:t>
+              <a:t>12/30/2020</a:t>
             </a:fld>
             <a:endParaRPr lang="en-US" dirty="0"/>
           </a:p>
@@ -2154,7 +2155,7 @@
           <a:p>
             <a:fld id="{1775B394-D9F9-4F0C-B15D-605F45CB9E9F}" type="datetime1">
               <a:rPr lang="en-US" smtClean="0"/>
-              <a:t>12/29/20</a:t>
+              <a:t>12/30/2020</a:t>
             </a:fld>
             <a:endParaRPr lang="en-US" dirty="0"/>
           </a:p>
@@ -2311,7 +2312,7 @@
           <a:p>
             <a:fld id="{39667345-2558-425A-8533-9BFDBCE15005}" type="datetime1">
               <a:rPr lang="en-US" smtClean="0"/>
-              <a:t>12/29/20</a:t>
+              <a:t>12/30/2020</a:t>
             </a:fld>
             <a:endParaRPr lang="en-US" dirty="0"/>
           </a:p>
@@ -2640,7 +2641,7 @@
           <a:p>
             <a:fld id="{92BEA474-078D-4E9B-9B14-09A87B19DC46}" type="datetime1">
               <a:rPr lang="en-US" smtClean="0"/>
-              <a:t>12/29/20</a:t>
+              <a:t>12/30/2020</a:t>
             </a:fld>
             <a:endParaRPr lang="en-US" dirty="0"/>
           </a:p>
@@ -2990,7 +2991,7 @@
           <a:p>
             <a:fld id="{4907D986-8816-4272-A432-0437A28A9828}" type="datetime1">
               <a:rPr lang="en-US" smtClean="0"/>
-              <a:t>12/29/20</a:t>
+              <a:t>12/30/2020</a:t>
             </a:fld>
             <a:endParaRPr lang="en-US" dirty="0"/>
           </a:p>
@@ -3251,7 +3252,7 @@
           <a:p>
             <a:fld id="{62D6E202-B606-4609-B914-27C9371A1F6D}" type="datetime1">
               <a:rPr lang="en-US" smtClean="0"/>
-              <a:t>12/29/20</a:t>
+              <a:t>12/30/2020</a:t>
             </a:fld>
             <a:endParaRPr lang="en-US" dirty="0"/>
           </a:p>
@@ -4451,7 +4452,7 @@
         </p:nvSpPr>
         <p:spPr>
           <a:xfrm>
-            <a:off x="1106590" y="2012831"/>
+            <a:off x="1106589" y="1868038"/>
             <a:ext cx="4234917" cy="457200"/>
           </a:xfrm>
         </p:spPr>
@@ -4485,7 +4486,7 @@
         </p:nvSpPr>
         <p:spPr>
           <a:xfrm>
-            <a:off x="6320001" y="2012831"/>
+            <a:off x="6391023" y="1836386"/>
             <a:ext cx="4234917" cy="501769"/>
           </a:xfrm>
           <a:prstGeom prst="rect">
@@ -4541,7 +4542,7 @@
         </p:nvSpPr>
         <p:spPr>
           <a:xfrm>
-            <a:off x="2268809" y="5764614"/>
+            <a:off x="1951487" y="5747275"/>
             <a:ext cx="4244227" cy="369332"/>
           </a:xfrm>
           <a:prstGeom prst="rect">
@@ -4557,7 +4558,7 @@
           <a:p>
             <a:r>
               <a:rPr lang="en-US" dirty="0"/>
-              <a:t>Index Price vs. Year</a:t>
+              <a:t>Index Rate Change vs. Year</a:t>
             </a:r>
           </a:p>
         </p:txBody>
@@ -4611,8 +4612,8 @@
         </p:nvSpPr>
         <p:spPr>
           <a:xfrm>
-            <a:off x="1097280" y="741393"/>
-            <a:ext cx="9964181" cy="646331"/>
+            <a:off x="1084494" y="432763"/>
+            <a:ext cx="9964181" cy="1200329"/>
           </a:xfrm>
           <a:prstGeom prst="rect">
             <a:avLst/>
@@ -4645,11 +4646,107 @@
                 <a:ea typeface="+mj-ea"/>
                 <a:cs typeface="+mj-cs"/>
               </a:rPr>
-              <a:t>Yearly Change Breakdown</a:t>
-            </a:r>
-          </a:p>
-        </p:txBody>
-      </p:sp>
+              <a:t>Yearly Rate Change Breakdown</a:t>
+            </a:r>
+          </a:p>
+          <a:p>
+            <a:pPr algn="ctr">
+              <a:lnSpc>
+                <a:spcPct val="90000"/>
+              </a:lnSpc>
+              <a:spcBef>
+                <a:spcPct val="0"/>
+              </a:spcBef>
+            </a:pPr>
+            <a:r>
+              <a:rPr lang="en-US" sz="4000" spc="-50" dirty="0">
+                <a:solidFill>
+                  <a:schemeClr val="tx1">
+                    <a:lumMod val="75000"/>
+                    <a:lumOff val="25000"/>
+                  </a:schemeClr>
+                </a:solidFill>
+                <a:latin typeface="+mj-lt"/>
+                <a:ea typeface="+mj-ea"/>
+                <a:cs typeface="+mj-cs"/>
+              </a:rPr>
+              <a:t>(1996-2016)</a:t>
+            </a:r>
+          </a:p>
+        </p:txBody>
+      </p:sp>
+      <p:pic>
+        <p:nvPicPr>
+          <p:cNvPr id="9" name="Picture 8">
+            <a:extLst>
+              <a:ext uri="{FF2B5EF4-FFF2-40B4-BE49-F238E27FC236}">
+                <a16:creationId xmlns:a16="http://schemas.microsoft.com/office/drawing/2014/main" id="{AE81B321-F7A5-4BBD-AC5C-EBE9D2793E9F}"/>
+              </a:ext>
+            </a:extLst>
+          </p:cNvPr>
+          <p:cNvPicPr>
+            <a:picLocks noChangeAspect="1"/>
+          </p:cNvPicPr>
+          <p:nvPr/>
+        </p:nvPicPr>
+        <p:blipFill>
+          <a:blip r:embed="rId2">
+            <a:extLst>
+              <a:ext uri="{28A0092B-C50C-407E-A947-70E740481C1C}">
+                <a14:useLocalDpi xmlns:a14="http://schemas.microsoft.com/office/drawing/2010/main" val="0"/>
+              </a:ext>
+            </a:extLst>
+          </a:blip>
+          <a:stretch>
+            <a:fillRect/>
+          </a:stretch>
+        </p:blipFill>
+        <p:spPr>
+          <a:xfrm>
+            <a:off x="-315760" y="1977963"/>
+            <a:ext cx="6933460" cy="4149360"/>
+          </a:xfrm>
+          <a:prstGeom prst="rect">
+            <a:avLst/>
+          </a:prstGeom>
+        </p:spPr>
+      </p:pic>
+      <p:pic>
+        <p:nvPicPr>
+          <p:cNvPr id="13" name="Picture 12">
+            <a:extLst>
+              <a:ext uri="{FF2B5EF4-FFF2-40B4-BE49-F238E27FC236}">
+                <a16:creationId xmlns:a16="http://schemas.microsoft.com/office/drawing/2014/main" id="{A35F0DFE-4543-4CDC-B49D-11492CD06B27}"/>
+              </a:ext>
+            </a:extLst>
+          </p:cNvPr>
+          <p:cNvPicPr>
+            <a:picLocks noChangeAspect="1"/>
+          </p:cNvPicPr>
+          <p:nvPr/>
+        </p:nvPicPr>
+        <p:blipFill>
+          <a:blip r:embed="rId3">
+            <a:extLst>
+              <a:ext uri="{28A0092B-C50C-407E-A947-70E740481C1C}">
+                <a14:useLocalDpi xmlns:a14="http://schemas.microsoft.com/office/drawing/2010/main" val="0"/>
+              </a:ext>
+            </a:extLst>
+          </a:blip>
+          <a:stretch>
+            <a:fillRect/>
+          </a:stretch>
+        </p:blipFill>
+        <p:spPr>
+          <a:xfrm>
+            <a:off x="5418217" y="1977963"/>
+            <a:ext cx="6933460" cy="4160076"/>
+          </a:xfrm>
+          <a:prstGeom prst="rect">
+            <a:avLst/>
+          </a:prstGeom>
+        </p:spPr>
+      </p:pic>
     </p:spTree>
     <p:extLst>
       <p:ext uri="{BB962C8B-B14F-4D97-AF65-F5344CB8AC3E}">
@@ -4996,7 +5093,7 @@
             <a:pPr marL="944118" lvl="3" indent="-285750"/>
             <a:r>
               <a:rPr lang="en-US" dirty="0"/>
-              <a:t>Used state specific data “series”</a:t>
+              <a:t>Used state &amp; Category specific data “series”</a:t>
             </a:r>
           </a:p>
           <a:p>
@@ -5085,7 +5182,7 @@
         </p:nvSpPr>
         <p:spPr>
           <a:xfrm>
-            <a:off x="5958751" y="2108201"/>
+            <a:off x="5555556" y="1943404"/>
             <a:ext cx="1710145" cy="2120228"/>
           </a:xfrm>
           <a:prstGeom prst="rect">
@@ -5381,10 +5478,10 @@
       </p:pic>
       <p:pic>
         <p:nvPicPr>
-          <p:cNvPr id="6" name="Picture 5">
-            <a:extLst>
-              <a:ext uri="{FF2B5EF4-FFF2-40B4-BE49-F238E27FC236}">
-                <a16:creationId xmlns:a16="http://schemas.microsoft.com/office/drawing/2014/main" id="{4505B8E0-2C85-A04B-82EE-7A8EC105AF6F}"/>
+          <p:cNvPr id="10" name="Picture 9">
+            <a:extLst>
+              <a:ext uri="{FF2B5EF4-FFF2-40B4-BE49-F238E27FC236}">
+                <a16:creationId xmlns:a16="http://schemas.microsoft.com/office/drawing/2014/main" id="{9FC43C1C-C3BD-4686-BADE-55F7EE4F3642}"/>
               </a:ext>
             </a:extLst>
           </p:cNvPr>
@@ -5407,8 +5504,8 @@
         </p:blipFill>
         <p:spPr>
           <a:xfrm>
-            <a:off x="6095999" y="2581507"/>
-            <a:ext cx="4997747" cy="2265555"/>
+            <a:off x="7149800" y="1943404"/>
+            <a:ext cx="3908910" cy="4374569"/>
           </a:xfrm>
           <a:prstGeom prst="rect">
             <a:avLst/>
@@ -6365,10 +6462,10 @@
       </p:grpSpPr>
       <p:sp>
         <p:nvSpPr>
-          <p:cNvPr id="2" name="Title 1">
-            <a:extLst>
-              <a:ext uri="{FF2B5EF4-FFF2-40B4-BE49-F238E27FC236}">
-                <a16:creationId xmlns:a16="http://schemas.microsoft.com/office/drawing/2014/main" id="{2BE986B9-B3E2-40FB-8BB0-47C8146FECF3}"/>
+          <p:cNvPr id="3" name="Title 1">
+            <a:extLst>
+              <a:ext uri="{FF2B5EF4-FFF2-40B4-BE49-F238E27FC236}">
+                <a16:creationId xmlns:a16="http://schemas.microsoft.com/office/drawing/2014/main" id="{F8BB2ACD-10CF-4BBE-B803-EA531EE53CF6}"/>
               </a:ext>
             </a:extLst>
           </p:cNvPr>
@@ -6379,7 +6476,12 @@
             <p:ph type="title"/>
           </p:nvPr>
         </p:nvSpPr>
-        <p:spPr/>
+        <p:spPr>
+          <a:xfrm>
+            <a:off x="1816054" y="384993"/>
+            <a:ext cx="10058400" cy="1449387"/>
+          </a:xfrm>
+        </p:spPr>
         <p:txBody>
           <a:bodyPr/>
           <a:lstStyle/>
@@ -6396,7 +6498,7 @@
           <p:cNvPr id="4" name="TextBox 3">
             <a:extLst>
               <a:ext uri="{FF2B5EF4-FFF2-40B4-BE49-F238E27FC236}">
-                <a16:creationId xmlns:a16="http://schemas.microsoft.com/office/drawing/2014/main" id="{B5D504D4-CB1C-4B7D-936B-4AE4DE54AE15}"/>
+                <a16:creationId xmlns:a16="http://schemas.microsoft.com/office/drawing/2014/main" id="{F972AC4C-2B50-4416-8CD6-1E191E0CC462}"/>
               </a:ext>
             </a:extLst>
           </p:cNvPr>
@@ -6405,8 +6507,8 @@
         </p:nvSpPr>
         <p:spPr>
           <a:xfrm>
-            <a:off x="1097280" y="2235835"/>
-            <a:ext cx="4089550" cy="646331"/>
+            <a:off x="1029810" y="1932035"/>
+            <a:ext cx="2521258" cy="1754326"/>
           </a:xfrm>
           <a:prstGeom prst="rect">
             <a:avLst/>
@@ -6419,68 +6521,57 @@
           </a:bodyPr>
           <a:lstStyle/>
           <a:p>
-            <a:pPr lvl="1"/>
-            <a:endParaRPr lang="en-US" dirty="0"/>
-          </a:p>
-          <a:p>
             <a:pPr marL="285750" indent="-285750">
               <a:buFont typeface="Arial" panose="020B0604020202020204" pitchFamily="34" charset="0"/>
               <a:buChar char="•"/>
             </a:pPr>
-            <a:endParaRPr lang="en-US" dirty="0"/>
-          </a:p>
-        </p:txBody>
-      </p:sp>
-      <p:sp>
-        <p:nvSpPr>
-          <p:cNvPr id="7" name="TextBox 6">
-            <a:extLst>
-              <a:ext uri="{FF2B5EF4-FFF2-40B4-BE49-F238E27FC236}">
-                <a16:creationId xmlns:a16="http://schemas.microsoft.com/office/drawing/2014/main" id="{07D97BE5-B753-EF4A-B71F-AB004F7D805C}"/>
-              </a:ext>
-            </a:extLst>
-          </p:cNvPr>
-          <p:cNvSpPr txBox="1"/>
+            <a:r>
+              <a:rPr lang="en-US" dirty="0"/>
+              <a:t>Plotting Unemployment Rate Change comparison for metro areas through years (2007-2016) </a:t>
+            </a:r>
+          </a:p>
+        </p:txBody>
+      </p:sp>
+      <p:pic>
+        <p:nvPicPr>
+          <p:cNvPr id="6" name="Picture 5">
+            <a:extLst>
+              <a:ext uri="{FF2B5EF4-FFF2-40B4-BE49-F238E27FC236}">
+                <a16:creationId xmlns:a16="http://schemas.microsoft.com/office/drawing/2014/main" id="{64AA5153-2105-4EC9-BD29-64F03360C9F8}"/>
+              </a:ext>
+            </a:extLst>
+          </p:cNvPr>
+          <p:cNvPicPr>
+            <a:picLocks noChangeAspect="1"/>
+          </p:cNvPicPr>
           <p:nvPr/>
-        </p:nvSpPr>
-        <p:spPr>
-          <a:xfrm>
-            <a:off x="762743" y="2559000"/>
-            <a:ext cx="4089550" cy="1754326"/>
+        </p:nvPicPr>
+        <p:blipFill>
+          <a:blip r:embed="rId2">
+            <a:extLst>
+              <a:ext uri="{28A0092B-C50C-407E-A947-70E740481C1C}">
+                <a14:useLocalDpi xmlns:a14="http://schemas.microsoft.com/office/drawing/2010/main" val="0"/>
+              </a:ext>
+            </a:extLst>
+          </a:blip>
+          <a:stretch>
+            <a:fillRect/>
+          </a:stretch>
+        </p:blipFill>
+        <p:spPr>
+          <a:xfrm>
+            <a:off x="3794593" y="1932035"/>
+            <a:ext cx="7584775" cy="3891950"/>
           </a:xfrm>
           <a:prstGeom prst="rect">
             <a:avLst/>
           </a:prstGeom>
-          <a:noFill/>
-        </p:spPr>
-        <p:txBody>
-          <a:bodyPr wrap="square" rtlCol="0">
-            <a:spAutoFit/>
-          </a:bodyPr>
-          <a:lstStyle/>
-          <a:p>
-            <a:pPr marL="285750" indent="-285750">
-              <a:buFont typeface="Arial" panose="020B0604020202020204" pitchFamily="34" charset="0"/>
-              <a:buChar char="•"/>
-            </a:pPr>
-            <a:r>
-              <a:rPr lang="en-US" dirty="0"/>
-              <a:t>Our thoughts were that big metro-areas such as New York and California would have been more affected, but that does not seem to be the case</a:t>
-            </a:r>
-          </a:p>
-          <a:p>
-            <a:pPr marL="285750" indent="-285750">
-              <a:buFont typeface="Arial" panose="020B0604020202020204" pitchFamily="34" charset="0"/>
-              <a:buChar char="•"/>
-            </a:pPr>
-            <a:endParaRPr lang="en-US" dirty="0"/>
-          </a:p>
-        </p:txBody>
-      </p:sp>
+        </p:spPr>
+      </p:pic>
     </p:spTree>
     <p:extLst>
       <p:ext uri="{BB962C8B-B14F-4D97-AF65-F5344CB8AC3E}">
-        <p14:creationId xmlns:p14="http://schemas.microsoft.com/office/powerpoint/2010/main" val="3428690614"/>
+        <p14:creationId xmlns:p14="http://schemas.microsoft.com/office/powerpoint/2010/main" val="3489604801"/>
       </p:ext>
     </p:extLst>
   </p:cSld>
@@ -6507,12 +6598,126 @@
           <a:chExt cx="0" cy="0"/>
         </a:xfrm>
       </p:grpSpPr>
+      <p:sp>
+        <p:nvSpPr>
+          <p:cNvPr id="2" name="Title 1">
+            <a:extLst>
+              <a:ext uri="{FF2B5EF4-FFF2-40B4-BE49-F238E27FC236}">
+                <a16:creationId xmlns:a16="http://schemas.microsoft.com/office/drawing/2014/main" id="{2BE986B9-B3E2-40FB-8BB0-47C8146FECF3}"/>
+              </a:ext>
+            </a:extLst>
+          </p:cNvPr>
+          <p:cNvSpPr>
+            <a:spLocks noGrp="1"/>
+          </p:cNvSpPr>
+          <p:nvPr>
+            <p:ph type="title"/>
+          </p:nvPr>
+        </p:nvSpPr>
+        <p:spPr/>
+        <p:txBody>
+          <a:bodyPr/>
+          <a:lstStyle/>
+          <a:p>
+            <a:r>
+              <a:rPr lang="en-US" dirty="0"/>
+              <a:t>Data Analysis – State Level</a:t>
+            </a:r>
+          </a:p>
+        </p:txBody>
+      </p:sp>
+      <p:sp>
+        <p:nvSpPr>
+          <p:cNvPr id="4" name="TextBox 3">
+            <a:extLst>
+              <a:ext uri="{FF2B5EF4-FFF2-40B4-BE49-F238E27FC236}">
+                <a16:creationId xmlns:a16="http://schemas.microsoft.com/office/drawing/2014/main" id="{B5D504D4-CB1C-4B7D-936B-4AE4DE54AE15}"/>
+              </a:ext>
+            </a:extLst>
+          </p:cNvPr>
+          <p:cNvSpPr txBox="1"/>
+          <p:nvPr/>
+        </p:nvSpPr>
+        <p:spPr>
+          <a:xfrm>
+            <a:off x="1097280" y="2235835"/>
+            <a:ext cx="4089550" cy="646331"/>
+          </a:xfrm>
+          <a:prstGeom prst="rect">
+            <a:avLst/>
+          </a:prstGeom>
+          <a:noFill/>
+        </p:spPr>
+        <p:txBody>
+          <a:bodyPr wrap="square" rtlCol="0">
+            <a:spAutoFit/>
+          </a:bodyPr>
+          <a:lstStyle/>
+          <a:p>
+            <a:pPr lvl="1"/>
+            <a:endParaRPr lang="en-US" dirty="0"/>
+          </a:p>
+          <a:p>
+            <a:pPr marL="285750" indent="-285750">
+              <a:buFont typeface="Arial" panose="020B0604020202020204" pitchFamily="34" charset="0"/>
+              <a:buChar char="•"/>
+            </a:pPr>
+            <a:endParaRPr lang="en-US" dirty="0"/>
+          </a:p>
+        </p:txBody>
+      </p:sp>
+      <p:sp>
+        <p:nvSpPr>
+          <p:cNvPr id="7" name="TextBox 6">
+            <a:extLst>
+              <a:ext uri="{FF2B5EF4-FFF2-40B4-BE49-F238E27FC236}">
+                <a16:creationId xmlns:a16="http://schemas.microsoft.com/office/drawing/2014/main" id="{07D97BE5-B753-EF4A-B71F-AB004F7D805C}"/>
+              </a:ext>
+            </a:extLst>
+          </p:cNvPr>
+          <p:cNvSpPr txBox="1"/>
+          <p:nvPr/>
+        </p:nvSpPr>
+        <p:spPr>
+          <a:xfrm>
+            <a:off x="762743" y="2559000"/>
+            <a:ext cx="4089550" cy="1754326"/>
+          </a:xfrm>
+          <a:prstGeom prst="rect">
+            <a:avLst/>
+          </a:prstGeom>
+          <a:noFill/>
+        </p:spPr>
+        <p:txBody>
+          <a:bodyPr wrap="square" rtlCol="0">
+            <a:spAutoFit/>
+          </a:bodyPr>
+          <a:lstStyle/>
+          <a:p>
+            <a:pPr marL="285750" indent="-285750">
+              <a:buFont typeface="Arial" panose="020B0604020202020204" pitchFamily="34" charset="0"/>
+              <a:buChar char="•"/>
+            </a:pPr>
+            <a:r>
+              <a:rPr lang="en-US" dirty="0"/>
+              <a:t>Our thoughts were that big metro-areas such as New York and California would have been more affected, but that does not seem to be the case</a:t>
+            </a:r>
+          </a:p>
+          <a:p>
+            <a:pPr marL="285750" indent="-285750">
+              <a:buFont typeface="Arial" panose="020B0604020202020204" pitchFamily="34" charset="0"/>
+              <a:buChar char="•"/>
+            </a:pPr>
+            <a:endParaRPr lang="en-US" dirty="0"/>
+          </a:p>
+        </p:txBody>
+      </p:sp>
       <p:pic>
         <p:nvPicPr>
-          <p:cNvPr id="2" name="Picture 1">
-            <a:extLst>
-              <a:ext uri="{FF2B5EF4-FFF2-40B4-BE49-F238E27FC236}">
-                <a16:creationId xmlns:a16="http://schemas.microsoft.com/office/drawing/2014/main" id="{CA042748-FD56-8748-9753-62A6E8669595}"/>
+          <p:cNvPr id="5" name="Picture 4">
+            <a:extLst>
+              <a:ext uri="{FF2B5EF4-FFF2-40B4-BE49-F238E27FC236}">
+                <a16:creationId xmlns:a16="http://schemas.microsoft.com/office/drawing/2014/main" id="{574635A4-716C-45F3-B0A4-AE55C42DC4D2}"/>
               </a:ext>
             </a:extLst>
           </p:cNvPr>
@@ -6522,228 +6727,31 @@
           <p:nvPr/>
         </p:nvPicPr>
         <p:blipFill>
-          <a:blip r:embed="rId2"/>
+          <a:blip r:embed="rId2">
+            <a:extLst>
+              <a:ext uri="{28A0092B-C50C-407E-A947-70E740481C1C}">
+                <a14:useLocalDpi xmlns:a14="http://schemas.microsoft.com/office/drawing/2010/main" val="0"/>
+              </a:ext>
+            </a:extLst>
+          </a:blip>
           <a:stretch>
             <a:fillRect/>
           </a:stretch>
         </p:blipFill>
         <p:spPr>
           <a:xfrm>
-            <a:off x="6495069" y="308095"/>
-            <a:ext cx="3063711" cy="1580868"/>
+            <a:off x="5690527" y="1917577"/>
+            <a:ext cx="4199962" cy="4485145"/>
           </a:xfrm>
           <a:prstGeom prst="rect">
             <a:avLst/>
           </a:prstGeom>
         </p:spPr>
       </p:pic>
-      <p:sp>
-        <p:nvSpPr>
-          <p:cNvPr id="5" name="Title 4">
-            <a:extLst>
-              <a:ext uri="{FF2B5EF4-FFF2-40B4-BE49-F238E27FC236}">
-                <a16:creationId xmlns:a16="http://schemas.microsoft.com/office/drawing/2014/main" id="{06E6EEBF-99DA-48F8-BA49-F7595088A879}"/>
-              </a:ext>
-            </a:extLst>
-          </p:cNvPr>
-          <p:cNvSpPr>
-            <a:spLocks noGrp="1"/>
-          </p:cNvSpPr>
-          <p:nvPr>
-            <p:ph type="title"/>
-          </p:nvPr>
-        </p:nvSpPr>
-        <p:spPr>
-          <a:xfrm>
-            <a:off x="1066800" y="715052"/>
-            <a:ext cx="10058400" cy="973504"/>
-          </a:xfrm>
-        </p:spPr>
-        <p:txBody>
-          <a:bodyPr/>
-          <a:lstStyle/>
-          <a:p>
-            <a:r>
-              <a:rPr lang="en-US" dirty="0"/>
-              <a:t>Discussion</a:t>
-            </a:r>
-          </a:p>
-        </p:txBody>
-      </p:sp>
-      <p:sp>
-        <p:nvSpPr>
-          <p:cNvPr id="3" name="TextBox 2">
-            <a:extLst>
-              <a:ext uri="{FF2B5EF4-FFF2-40B4-BE49-F238E27FC236}">
-                <a16:creationId xmlns:a16="http://schemas.microsoft.com/office/drawing/2014/main" id="{8D658515-A231-2B44-AE67-2F32C1676B04}"/>
-              </a:ext>
-            </a:extLst>
-          </p:cNvPr>
-          <p:cNvSpPr txBox="1"/>
-          <p:nvPr/>
-        </p:nvSpPr>
-        <p:spPr>
-          <a:xfrm>
-            <a:off x="1340384" y="2025590"/>
-            <a:ext cx="9102522" cy="4247317"/>
-          </a:xfrm>
-          <a:prstGeom prst="rect">
-            <a:avLst/>
-          </a:prstGeom>
-          <a:noFill/>
-        </p:spPr>
-        <p:txBody>
-          <a:bodyPr wrap="square" rtlCol="0">
-            <a:spAutoFit/>
-          </a:bodyPr>
-          <a:lstStyle/>
-          <a:p>
-            <a:pPr marL="285750" indent="-285750">
-              <a:buFont typeface="Arial" panose="020B0604020202020204" pitchFamily="34" charset="0"/>
-              <a:buChar char="•"/>
-            </a:pPr>
-            <a:r>
-              <a:rPr lang="en-US" dirty="0"/>
-              <a:t>Findings:</a:t>
-            </a:r>
-          </a:p>
-          <a:p>
-            <a:pPr marL="742950" lvl="1" indent="-285750">
-              <a:buFont typeface="Arial" panose="020B0604020202020204" pitchFamily="34" charset="0"/>
-              <a:buChar char="•"/>
-            </a:pPr>
-            <a:r>
-              <a:rPr lang="en-US" dirty="0"/>
-              <a:t>Overall we found what we expected, but not to the degree we had thought</a:t>
-            </a:r>
-          </a:p>
-          <a:p>
-            <a:pPr marL="742950" lvl="1" indent="-285750">
-              <a:buFont typeface="Arial" panose="020B0604020202020204" pitchFamily="34" charset="0"/>
-              <a:buChar char="•"/>
-            </a:pPr>
-            <a:r>
-              <a:rPr lang="en-US" dirty="0"/>
-              <a:t>Most interesting to find the continuous increase in relationship over time</a:t>
-            </a:r>
-          </a:p>
-          <a:p>
-            <a:pPr marL="742950" lvl="1" indent="-285750">
-              <a:buFont typeface="Arial" panose="020B0604020202020204" pitchFamily="34" charset="0"/>
-              <a:buChar char="•"/>
-            </a:pPr>
-            <a:r>
-              <a:rPr lang="en-US" dirty="0"/>
-              <a:t>Found that the most affected states didn’t seem to be large metro areas</a:t>
-            </a:r>
-          </a:p>
-          <a:p>
-            <a:pPr lvl="1"/>
-            <a:endParaRPr lang="en-US" dirty="0"/>
-          </a:p>
-          <a:p>
-            <a:pPr marL="285750" indent="-285750">
-              <a:buFont typeface="Arial" panose="020B0604020202020204" pitchFamily="34" charset="0"/>
-              <a:buChar char="•"/>
-            </a:pPr>
-            <a:r>
-              <a:rPr lang="en-US" dirty="0"/>
-              <a:t>Post Mortem</a:t>
-            </a:r>
-          </a:p>
-          <a:p>
-            <a:pPr marL="742950" lvl="1" indent="-285750">
-              <a:buFont typeface="Arial" panose="020B0604020202020204" pitchFamily="34" charset="0"/>
-              <a:buChar char="•"/>
-            </a:pPr>
-            <a:r>
-              <a:rPr lang="en-US" dirty="0"/>
-              <a:t>Was Dow Jones the correct index to use?</a:t>
-            </a:r>
-          </a:p>
-          <a:p>
-            <a:pPr marL="1200150" lvl="2" indent="-285750">
-              <a:buFont typeface="Arial" panose="020B0604020202020204" pitchFamily="34" charset="0"/>
-              <a:buChar char="•"/>
-            </a:pPr>
-            <a:r>
-              <a:rPr lang="en-US" dirty="0"/>
-              <a:t>S&amp;P 500</a:t>
-            </a:r>
-          </a:p>
-          <a:p>
-            <a:pPr marL="742950" lvl="1" indent="-285750">
-              <a:buFont typeface="Arial" panose="020B0604020202020204" pitchFamily="34" charset="0"/>
-              <a:buChar char="•"/>
-            </a:pPr>
-            <a:r>
-              <a:rPr lang="en-US" dirty="0"/>
-              <a:t>Other factors that overlay?</a:t>
-            </a:r>
-          </a:p>
-          <a:p>
-            <a:pPr marL="1200150" lvl="2" indent="-285750">
-              <a:buFont typeface="Arial" panose="020B0604020202020204" pitchFamily="34" charset="0"/>
-              <a:buChar char="•"/>
-            </a:pPr>
-            <a:r>
-              <a:rPr lang="en-US" dirty="0"/>
-              <a:t>GDP</a:t>
-            </a:r>
-          </a:p>
-          <a:p>
-            <a:pPr marL="1200150" lvl="2" indent="-285750">
-              <a:buFont typeface="Arial" panose="020B0604020202020204" pitchFamily="34" charset="0"/>
-              <a:buChar char="•"/>
-            </a:pPr>
-            <a:r>
-              <a:rPr lang="en-US" dirty="0"/>
-              <a:t>Inflation</a:t>
-            </a:r>
-          </a:p>
-          <a:p>
-            <a:pPr marL="742950" lvl="1" indent="-285750">
-              <a:buFont typeface="Arial" panose="020B0604020202020204" pitchFamily="34" charset="0"/>
-              <a:buChar char="•"/>
-            </a:pPr>
-            <a:r>
-              <a:rPr lang="en-US" dirty="0"/>
-              <a:t>How much do external events affect the Dow/Unemployment?</a:t>
-            </a:r>
-          </a:p>
-          <a:p>
-            <a:pPr marL="742950" lvl="1" indent="-285750">
-              <a:buFont typeface="Arial" panose="020B0604020202020204" pitchFamily="34" charset="0"/>
-              <a:buChar char="•"/>
-            </a:pPr>
-            <a:r>
-              <a:rPr lang="en-US" dirty="0"/>
-              <a:t>Were certain industries affected more than others? Could that skew State data?</a:t>
-            </a:r>
-          </a:p>
-          <a:p>
-            <a:pPr marL="742950" lvl="1" indent="-285750">
-              <a:buFont typeface="Arial" panose="020B0604020202020204" pitchFamily="34" charset="0"/>
-              <a:buChar char="•"/>
-            </a:pPr>
-            <a:r>
-              <a:rPr lang="en-US" dirty="0"/>
-              <a:t>2020 Analysis – Would Covid-19 scenario go against previous years?</a:t>
-            </a:r>
-          </a:p>
-          <a:p>
-            <a:pPr marL="742950" lvl="1" indent="-285750">
-              <a:buFont typeface="Arial" panose="020B0604020202020204" pitchFamily="34" charset="0"/>
-              <a:buChar char="•"/>
-            </a:pPr>
-            <a:endParaRPr lang="en-US" dirty="0"/>
-          </a:p>
-        </p:txBody>
-      </p:sp>
     </p:spTree>
     <p:extLst>
       <p:ext uri="{BB962C8B-B14F-4D97-AF65-F5344CB8AC3E}">
-        <p14:creationId xmlns:p14="http://schemas.microsoft.com/office/powerpoint/2010/main" val="3399840146"/>
+        <p14:creationId xmlns:p14="http://schemas.microsoft.com/office/powerpoint/2010/main" val="3428690614"/>
       </p:ext>
     </p:extLst>
   </p:cSld>
@@ -6921,6 +6929,269 @@
 </file>
 
 <file path=ppt/slides/slide20.xml><?xml version="1.0" encoding="utf-8"?>
+<p:sld xmlns:a="http://schemas.openxmlformats.org/drawingml/2006/main" xmlns:r="http://schemas.openxmlformats.org/officeDocument/2006/relationships" xmlns:p="http://schemas.openxmlformats.org/presentationml/2006/main">
+  <p:cSld>
+    <p:spTree>
+      <p:nvGrpSpPr>
+        <p:cNvPr id="1" name=""/>
+        <p:cNvGrpSpPr/>
+        <p:nvPr/>
+      </p:nvGrpSpPr>
+      <p:grpSpPr>
+        <a:xfrm>
+          <a:off x="0" y="0"/>
+          <a:ext cx="0" cy="0"/>
+          <a:chOff x="0" y="0"/>
+          <a:chExt cx="0" cy="0"/>
+        </a:xfrm>
+      </p:grpSpPr>
+      <p:pic>
+        <p:nvPicPr>
+          <p:cNvPr id="2" name="Picture 1">
+            <a:extLst>
+              <a:ext uri="{FF2B5EF4-FFF2-40B4-BE49-F238E27FC236}">
+                <a16:creationId xmlns:a16="http://schemas.microsoft.com/office/drawing/2014/main" id="{CA042748-FD56-8748-9753-62A6E8669595}"/>
+              </a:ext>
+            </a:extLst>
+          </p:cNvPr>
+          <p:cNvPicPr>
+            <a:picLocks noChangeAspect="1"/>
+          </p:cNvPicPr>
+          <p:nvPr/>
+        </p:nvPicPr>
+        <p:blipFill>
+          <a:blip r:embed="rId2"/>
+          <a:stretch>
+            <a:fillRect/>
+          </a:stretch>
+        </p:blipFill>
+        <p:spPr>
+          <a:xfrm>
+            <a:off x="6495069" y="308095"/>
+            <a:ext cx="3063711" cy="1580868"/>
+          </a:xfrm>
+          <a:prstGeom prst="rect">
+            <a:avLst/>
+          </a:prstGeom>
+        </p:spPr>
+      </p:pic>
+      <p:sp>
+        <p:nvSpPr>
+          <p:cNvPr id="5" name="Title 4">
+            <a:extLst>
+              <a:ext uri="{FF2B5EF4-FFF2-40B4-BE49-F238E27FC236}">
+                <a16:creationId xmlns:a16="http://schemas.microsoft.com/office/drawing/2014/main" id="{06E6EEBF-99DA-48F8-BA49-F7595088A879}"/>
+              </a:ext>
+            </a:extLst>
+          </p:cNvPr>
+          <p:cNvSpPr>
+            <a:spLocks noGrp="1"/>
+          </p:cNvSpPr>
+          <p:nvPr>
+            <p:ph type="title"/>
+          </p:nvPr>
+        </p:nvSpPr>
+        <p:spPr>
+          <a:xfrm>
+            <a:off x="1066800" y="715052"/>
+            <a:ext cx="10058400" cy="973504"/>
+          </a:xfrm>
+        </p:spPr>
+        <p:txBody>
+          <a:bodyPr/>
+          <a:lstStyle/>
+          <a:p>
+            <a:r>
+              <a:rPr lang="en-US" dirty="0"/>
+              <a:t>Discussion</a:t>
+            </a:r>
+          </a:p>
+        </p:txBody>
+      </p:sp>
+      <p:sp>
+        <p:nvSpPr>
+          <p:cNvPr id="3" name="TextBox 2">
+            <a:extLst>
+              <a:ext uri="{FF2B5EF4-FFF2-40B4-BE49-F238E27FC236}">
+                <a16:creationId xmlns:a16="http://schemas.microsoft.com/office/drawing/2014/main" id="{8D658515-A231-2B44-AE67-2F32C1676B04}"/>
+              </a:ext>
+            </a:extLst>
+          </p:cNvPr>
+          <p:cNvSpPr txBox="1"/>
+          <p:nvPr/>
+        </p:nvSpPr>
+        <p:spPr>
+          <a:xfrm>
+            <a:off x="1340384" y="2025590"/>
+            <a:ext cx="9102522" cy="4247317"/>
+          </a:xfrm>
+          <a:prstGeom prst="rect">
+            <a:avLst/>
+          </a:prstGeom>
+          <a:noFill/>
+        </p:spPr>
+        <p:txBody>
+          <a:bodyPr wrap="square" rtlCol="0">
+            <a:spAutoFit/>
+          </a:bodyPr>
+          <a:lstStyle/>
+          <a:p>
+            <a:pPr marL="285750" indent="-285750">
+              <a:buFont typeface="Arial" panose="020B0604020202020204" pitchFamily="34" charset="0"/>
+              <a:buChar char="•"/>
+            </a:pPr>
+            <a:r>
+              <a:rPr lang="en-US" dirty="0"/>
+              <a:t>Findings:</a:t>
+            </a:r>
+          </a:p>
+          <a:p>
+            <a:pPr marL="742950" lvl="1" indent="-285750">
+              <a:buFont typeface="Arial" panose="020B0604020202020204" pitchFamily="34" charset="0"/>
+              <a:buChar char="•"/>
+            </a:pPr>
+            <a:r>
+              <a:rPr lang="en-US" dirty="0"/>
+              <a:t>Overall we found what we expected, but not to the degree we had thought</a:t>
+            </a:r>
+          </a:p>
+          <a:p>
+            <a:pPr marL="742950" lvl="1" indent="-285750">
+              <a:buFont typeface="Arial" panose="020B0604020202020204" pitchFamily="34" charset="0"/>
+              <a:buChar char="•"/>
+            </a:pPr>
+            <a:r>
+              <a:rPr lang="en-US" dirty="0"/>
+              <a:t>Most interesting to find the continuous increase in relationship over time</a:t>
+            </a:r>
+          </a:p>
+          <a:p>
+            <a:pPr marL="742950" lvl="1" indent="-285750">
+              <a:buFont typeface="Arial" panose="020B0604020202020204" pitchFamily="34" charset="0"/>
+              <a:buChar char="•"/>
+            </a:pPr>
+            <a:r>
+              <a:rPr lang="en-US" dirty="0"/>
+              <a:t>Found that the most affected states didn’t seem to be large metro areas</a:t>
+            </a:r>
+          </a:p>
+          <a:p>
+            <a:pPr lvl="1"/>
+            <a:endParaRPr lang="en-US" dirty="0"/>
+          </a:p>
+          <a:p>
+            <a:pPr marL="285750" indent="-285750">
+              <a:buFont typeface="Arial" panose="020B0604020202020204" pitchFamily="34" charset="0"/>
+              <a:buChar char="•"/>
+            </a:pPr>
+            <a:r>
+              <a:rPr lang="en-US" dirty="0"/>
+              <a:t>Post Mortem</a:t>
+            </a:r>
+          </a:p>
+          <a:p>
+            <a:pPr marL="742950" lvl="1" indent="-285750">
+              <a:buFont typeface="Arial" panose="020B0604020202020204" pitchFamily="34" charset="0"/>
+              <a:buChar char="•"/>
+            </a:pPr>
+            <a:r>
+              <a:rPr lang="en-US" dirty="0"/>
+              <a:t>Was Dow Jones the correct index to use?</a:t>
+            </a:r>
+          </a:p>
+          <a:p>
+            <a:pPr marL="1200150" lvl="2" indent="-285750">
+              <a:buFont typeface="Arial" panose="020B0604020202020204" pitchFamily="34" charset="0"/>
+              <a:buChar char="•"/>
+            </a:pPr>
+            <a:r>
+              <a:rPr lang="en-US" dirty="0"/>
+              <a:t>S&amp;P 500</a:t>
+            </a:r>
+          </a:p>
+          <a:p>
+            <a:pPr marL="742950" lvl="1" indent="-285750">
+              <a:buFont typeface="Arial" panose="020B0604020202020204" pitchFamily="34" charset="0"/>
+              <a:buChar char="•"/>
+            </a:pPr>
+            <a:r>
+              <a:rPr lang="en-US" dirty="0"/>
+              <a:t>Other factors that overlay?</a:t>
+            </a:r>
+          </a:p>
+          <a:p>
+            <a:pPr marL="1200150" lvl="2" indent="-285750">
+              <a:buFont typeface="Arial" panose="020B0604020202020204" pitchFamily="34" charset="0"/>
+              <a:buChar char="•"/>
+            </a:pPr>
+            <a:r>
+              <a:rPr lang="en-US" dirty="0"/>
+              <a:t>GDP</a:t>
+            </a:r>
+          </a:p>
+          <a:p>
+            <a:pPr marL="1200150" lvl="2" indent="-285750">
+              <a:buFont typeface="Arial" panose="020B0604020202020204" pitchFamily="34" charset="0"/>
+              <a:buChar char="•"/>
+            </a:pPr>
+            <a:r>
+              <a:rPr lang="en-US" dirty="0"/>
+              <a:t>Inflation</a:t>
+            </a:r>
+          </a:p>
+          <a:p>
+            <a:pPr marL="742950" lvl="1" indent="-285750">
+              <a:buFont typeface="Arial" panose="020B0604020202020204" pitchFamily="34" charset="0"/>
+              <a:buChar char="•"/>
+            </a:pPr>
+            <a:r>
+              <a:rPr lang="en-US" dirty="0"/>
+              <a:t>How much do external events affect the Dow/Unemployment?</a:t>
+            </a:r>
+          </a:p>
+          <a:p>
+            <a:pPr marL="742950" lvl="1" indent="-285750">
+              <a:buFont typeface="Arial" panose="020B0604020202020204" pitchFamily="34" charset="0"/>
+              <a:buChar char="•"/>
+            </a:pPr>
+            <a:r>
+              <a:rPr lang="en-US" dirty="0"/>
+              <a:t>Were certain industries affected more than others? Could that skew State data?</a:t>
+            </a:r>
+          </a:p>
+          <a:p>
+            <a:pPr marL="742950" lvl="1" indent="-285750">
+              <a:buFont typeface="Arial" panose="020B0604020202020204" pitchFamily="34" charset="0"/>
+              <a:buChar char="•"/>
+            </a:pPr>
+            <a:r>
+              <a:rPr lang="en-US" dirty="0"/>
+              <a:t>2020 Analysis – Would Covid-19 scenario go against previous years?</a:t>
+            </a:r>
+          </a:p>
+          <a:p>
+            <a:pPr marL="742950" lvl="1" indent="-285750">
+              <a:buFont typeface="Arial" panose="020B0604020202020204" pitchFamily="34" charset="0"/>
+              <a:buChar char="•"/>
+            </a:pPr>
+            <a:endParaRPr lang="en-US" dirty="0"/>
+          </a:p>
+        </p:txBody>
+      </p:sp>
+    </p:spTree>
+    <p:extLst>
+      <p:ext uri="{BB962C8B-B14F-4D97-AF65-F5344CB8AC3E}">
+        <p14:creationId xmlns:p14="http://schemas.microsoft.com/office/powerpoint/2010/main" val="3399840146"/>
+      </p:ext>
+    </p:extLst>
+  </p:cSld>
+  <p:clrMapOvr>
+    <a:masterClrMapping/>
+  </p:clrMapOvr>
+</p:sld>
+</file>
+
+<file path=ppt/slides/slide21.xml><?xml version="1.0" encoding="utf-8"?>
 <p:sld xmlns:a="http://schemas.openxmlformats.org/drawingml/2006/main" xmlns:r="http://schemas.openxmlformats.org/officeDocument/2006/relationships" xmlns:p="http://schemas.openxmlformats.org/presentationml/2006/main">
   <p:cSld>
     <p:spTree>

--- a/Presentations/Stock Market Vs Unemployment v2.pptx
+++ b/Presentations/Stock Market Vs Unemployment v2.pptx
@@ -376,7 +376,7 @@
           <a:p>
             <a:fld id="{9184DA70-C731-4C70-880D-CCD4705E623C}" type="datetime1">
               <a:rPr lang="en-US" smtClean="0"/>
-              <a:t>12/30/2020</a:t>
+              <a:t>1/5/2021</a:t>
             </a:fld>
             <a:endParaRPr lang="en-US" dirty="0"/>
           </a:p>
@@ -564,7 +564,7 @@
           <a:p>
             <a:fld id="{B612A279-0833-481D-8C56-F67FD0AC6C50}" type="datetime1">
               <a:rPr lang="en-US" smtClean="0"/>
-              <a:t>12/30/2020</a:t>
+              <a:t>1/5/2021</a:t>
             </a:fld>
             <a:endParaRPr lang="en-US" dirty="0"/>
           </a:p>
@@ -806,7 +806,7 @@
           <a:p>
             <a:fld id="{6587DA83-5663-4C9C-B9AA-0B40A3DAFF81}" type="datetime1">
               <a:rPr lang="en-US" smtClean="0"/>
-              <a:t>12/30/2020</a:t>
+              <a:t>1/5/2021</a:t>
             </a:fld>
             <a:endParaRPr lang="en-US" dirty="0"/>
           </a:p>
@@ -994,7 +994,7 @@
           <a:p>
             <a:fld id="{4BE1D723-8F53-4F53-90B0-1982A396982E}" type="datetime1">
               <a:rPr lang="en-US" smtClean="0"/>
-              <a:t>12/30/2020</a:t>
+              <a:t>1/5/2021</a:t>
             </a:fld>
             <a:endParaRPr lang="en-US" dirty="0"/>
           </a:p>
@@ -1367,7 +1367,7 @@
           <a:p>
             <a:fld id="{97669AF7-7BEB-44E4-9852-375E34362B5B}" type="datetime1">
               <a:rPr lang="en-US" smtClean="0"/>
-              <a:t>12/30/2020</a:t>
+              <a:t>1/5/2021</a:t>
             </a:fld>
             <a:endParaRPr lang="en-US" dirty="0"/>
           </a:p>
@@ -1622,7 +1622,7 @@
           <a:p>
             <a:fld id="{BAAAC38D-0552-4C82-B593-E6124DFADBE2}" type="datetime1">
               <a:rPr lang="en-US" smtClean="0"/>
-              <a:t>12/30/2020</a:t>
+              <a:t>1/5/2021</a:t>
             </a:fld>
             <a:endParaRPr lang="en-US" dirty="0"/>
           </a:p>
@@ -2019,7 +2019,7 @@
           <a:p>
             <a:fld id="{D9DF0F1C-5577-4ACB-BB62-DF8F3C494C7E}" type="datetime1">
               <a:rPr lang="en-US" smtClean="0"/>
-              <a:t>12/30/2020</a:t>
+              <a:t>1/5/2021</a:t>
             </a:fld>
             <a:endParaRPr lang="en-US" dirty="0"/>
           </a:p>
@@ -2155,7 +2155,7 @@
           <a:p>
             <a:fld id="{1775B394-D9F9-4F0C-B15D-605F45CB9E9F}" type="datetime1">
               <a:rPr lang="en-US" smtClean="0"/>
-              <a:t>12/30/2020</a:t>
+              <a:t>1/5/2021</a:t>
             </a:fld>
             <a:endParaRPr lang="en-US" dirty="0"/>
           </a:p>
@@ -2312,7 +2312,7 @@
           <a:p>
             <a:fld id="{39667345-2558-425A-8533-9BFDBCE15005}" type="datetime1">
               <a:rPr lang="en-US" smtClean="0"/>
-              <a:t>12/30/2020</a:t>
+              <a:t>1/5/2021</a:t>
             </a:fld>
             <a:endParaRPr lang="en-US" dirty="0"/>
           </a:p>
@@ -2641,7 +2641,7 @@
           <a:p>
             <a:fld id="{92BEA474-078D-4E9B-9B14-09A87B19DC46}" type="datetime1">
               <a:rPr lang="en-US" smtClean="0"/>
-              <a:t>12/30/2020</a:t>
+              <a:t>1/5/2021</a:t>
             </a:fld>
             <a:endParaRPr lang="en-US" dirty="0"/>
           </a:p>
@@ -2991,7 +2991,7 @@
           <a:p>
             <a:fld id="{4907D986-8816-4272-A432-0437A28A9828}" type="datetime1">
               <a:rPr lang="en-US" smtClean="0"/>
-              <a:t>12/30/2020</a:t>
+              <a:t>1/5/2021</a:t>
             </a:fld>
             <a:endParaRPr lang="en-US" dirty="0"/>
           </a:p>
@@ -3252,7 +3252,7 @@
           <a:p>
             <a:fld id="{62D6E202-B606-4609-B914-27C9371A1F6D}" type="datetime1">
               <a:rPr lang="en-US" smtClean="0"/>
-              <a:t>12/30/2020</a:t>
+              <a:t>1/5/2021</a:t>
             </a:fld>
             <a:endParaRPr lang="en-US" dirty="0"/>
           </a:p>
@@ -5090,38 +5090,25 @@
             </a:r>
           </a:p>
           <a:p>
-            <a:pPr marL="944118" lvl="3" indent="-285750"/>
+            <a:pPr marL="761238" lvl="2" indent="-285750"/>
             <a:r>
               <a:rPr lang="en-US" dirty="0"/>
-              <a:t>Used state &amp; Category specific data “series”</a:t>
-            </a:r>
-          </a:p>
-          <a:p>
-            <a:pPr marL="944118" lvl="3" indent="-285750"/>
+              <a:t>Collected series of all states into an excel sheet.</a:t>
+            </a:r>
+          </a:p>
+          <a:p>
+            <a:pPr marL="761238" lvl="2" indent="-285750"/>
             <a:r>
               <a:rPr lang="en-US" dirty="0"/>
-              <a:t>Collected list of all states</a:t>
+              <a:t>Used State &amp; Category specific “series” to retrieve data for 50 states sending list of ‘state-series’ into API-call.</a:t>
             </a:r>
           </a:p>
           <a:p>
             <a:pPr marL="761238" lvl="2" indent="-285750"/>
             <a:r>
               <a:rPr lang="en-US" dirty="0"/>
-              <a:t>Data Given</a:t>
-            </a:r>
-          </a:p>
-          <a:p>
-            <a:pPr marL="944118" lvl="3" indent="-285750"/>
-            <a:r>
-              <a:rPr lang="en-US" dirty="0"/>
-              <a:t>Unemployment percentage per month</a:t>
-            </a:r>
-          </a:p>
-          <a:p>
-            <a:pPr marL="658368" lvl="3" indent="0">
-              <a:buNone/>
-            </a:pPr>
-            <a:endParaRPr lang="en-US" dirty="0"/>
+              <a:t>Data retrieved is ‘Unemployment percentage per month 1996-2017’</a:t>
+            </a:r>
           </a:p>
           <a:p>
             <a:pPr marL="578358" lvl="1" indent="-285750"/>
@@ -5134,27 +5121,15 @@
             <a:pPr marL="761238" lvl="2" indent="-285750"/>
             <a:r>
               <a:rPr lang="en-US" dirty="0"/>
-              <a:t>Required the percent change month over month for 2008</a:t>
+              <a:t>Iterating through the data to get the yearly percentage change. (prev. Dec% – cur. Jan %)</a:t>
             </a:r>
           </a:p>
           <a:p>
             <a:pPr marL="761238" lvl="2" indent="-285750"/>
             <a:r>
               <a:rPr lang="en-US" dirty="0"/>
-              <a:t>Iterate through rows of </a:t>
-            </a:r>
-            <a:r>
-              <a:rPr lang="en-US" dirty="0" err="1"/>
-              <a:t>dataframe</a:t>
-            </a:r>
-            <a:r>
-              <a:rPr lang="en-US" dirty="0"/>
-              <a:t> to find change</a:t>
-            </a:r>
-          </a:p>
-          <a:p>
-            <a:pPr marL="761238" lvl="2" indent="-285750"/>
-            <a:endParaRPr lang="en-US" dirty="0"/>
+              <a:t>Isolate the percentage change for 2008 for analysis.</a:t>
+            </a:r>
           </a:p>
           <a:p>
             <a:pPr marL="761238" lvl="2" indent="-285750"/>
@@ -5504,7 +5479,7 @@
         </p:blipFill>
         <p:spPr>
           <a:xfrm>
-            <a:off x="7149800" y="1943404"/>
+            <a:off x="7052146" y="1916770"/>
             <a:ext cx="3908910" cy="4374569"/>
           </a:xfrm>
           <a:prstGeom prst="rect">
@@ -6396,10 +6371,10 @@
       </p:sp>
       <p:pic>
         <p:nvPicPr>
-          <p:cNvPr id="9" name="Picture 8">
-            <a:extLst>
-              <a:ext uri="{FF2B5EF4-FFF2-40B4-BE49-F238E27FC236}">
-                <a16:creationId xmlns:a16="http://schemas.microsoft.com/office/drawing/2014/main" id="{8D08C779-5A02-2343-8FD3-D1CB41C78D1C}"/>
+          <p:cNvPr id="8" name="Picture 7">
+            <a:extLst>
+              <a:ext uri="{FF2B5EF4-FFF2-40B4-BE49-F238E27FC236}">
+                <a16:creationId xmlns:a16="http://schemas.microsoft.com/office/drawing/2014/main" id="{9107019B-83B9-49BC-BB60-881515E727FF}"/>
               </a:ext>
             </a:extLst>
           </p:cNvPr>
@@ -6422,8 +6397,8 @@
         </p:blipFill>
         <p:spPr>
           <a:xfrm>
-            <a:off x="4961261" y="2559000"/>
-            <a:ext cx="6955675" cy="2721786"/>
+            <a:off x="4852293" y="2194231"/>
+            <a:ext cx="6418984" cy="3037862"/>
           </a:xfrm>
           <a:prstGeom prst="rect">
             <a:avLst/>
@@ -6527,7 +6502,7 @@
             </a:pPr>
             <a:r>
               <a:rPr lang="en-US" dirty="0"/>
-              <a:t>Plotting Unemployment Rate Change comparison for metro areas through years (2007-2016) </a:t>
+              <a:t>Plotting Unemployment Percent Change comparison for metro areas through years (2007-2016) </a:t>
             </a:r>
           </a:p>
         </p:txBody>
@@ -6681,7 +6656,7 @@
         <p:spPr>
           <a:xfrm>
             <a:off x="762743" y="2559000"/>
-            <a:ext cx="4089550" cy="1754326"/>
+            <a:ext cx="4089550" cy="2308324"/>
           </a:xfrm>
           <a:prstGeom prst="rect">
             <a:avLst/>
@@ -6700,7 +6675,7 @@
             </a:pPr>
             <a:r>
               <a:rPr lang="en-US" dirty="0"/>
-              <a:t>Our thoughts were that big metro-areas such as New York and California would have been more affected, but that does not seem to be the case</a:t>
+              <a:t>Our thoughts were that big metro-areas such as New York and California would have been more affected in 2008 crisis, but that does not seem to be the case when we ranked the yearly change for all the states.</a:t>
             </a:r>
           </a:p>
           <a:p>
